--- a/Soutenance/Projet 2.pptx
+++ b/Soutenance/Projet 2.pptx
@@ -8457,7 +8457,7 @@
                   <a:schemeClr val="tx1"/>
                 </a:solidFill>
               </a:rPr>
-              <a:t>Tableaux des </a:t>
+              <a:t>Gestion du budget</a:t>
             </a:r>
           </a:p>
         </p:txBody>
@@ -8522,12 +8522,51 @@
           <a:chExt cx="0" cy="0"/>
         </a:xfrm>
       </p:grpSpPr>
+      <p:sp>
+        <p:nvSpPr>
+          <p:cNvPr id="5" name="Titre 1">
+            <a:extLst>
+              <a:ext uri="{FF2B5EF4-FFF2-40B4-BE49-F238E27FC236}">
+                <a16:creationId xmlns:a16="http://schemas.microsoft.com/office/drawing/2014/main" id="{B1107943-3443-485A-BC72-1F88E0BC21AF}"/>
+              </a:ext>
+            </a:extLst>
+          </p:cNvPr>
+          <p:cNvSpPr>
+            <a:spLocks noGrp="1"/>
+          </p:cNvSpPr>
+          <p:nvPr>
+            <p:ph type="title"/>
+          </p:nvPr>
+        </p:nvSpPr>
+        <p:spPr>
+          <a:xfrm>
+            <a:off x="1604864" y="412568"/>
+            <a:ext cx="7077741" cy="791362"/>
+          </a:xfrm>
+        </p:spPr>
+        <p:txBody>
+          <a:bodyPr>
+            <a:normAutofit fontScale="90000"/>
+          </a:bodyPr>
+          <a:lstStyle/>
+          <a:p>
+            <a:r>
+              <a:rPr lang="fr-FR" sz="4800" dirty="0">
+                <a:solidFill>
+                  <a:schemeClr val="tx1"/>
+                </a:solidFill>
+              </a:rPr>
+              <a:t>Récapitulatif des dépenses et recettes</a:t>
+            </a:r>
+          </a:p>
+        </p:txBody>
+      </p:sp>
       <p:pic>
         <p:nvPicPr>
-          <p:cNvPr id="4" name="Image 3">
+          <p:cNvPr id="2" name="Image 1">
             <a:extLst>
               <a:ext uri="{FF2B5EF4-FFF2-40B4-BE49-F238E27FC236}">
-                <a16:creationId xmlns:a16="http://schemas.microsoft.com/office/drawing/2014/main" id="{310348EA-2705-4CCF-B2A9-910BB7BBB750}"/>
+                <a16:creationId xmlns:a16="http://schemas.microsoft.com/office/drawing/2014/main" id="{2B63A951-9821-47A6-8238-2A5D3890C001}"/>
               </a:ext>
             </a:extLst>
           </p:cNvPr>
@@ -8544,53 +8583,14 @@
         </p:blipFill>
         <p:spPr>
           <a:xfrm>
-            <a:off x="982909" y="2872662"/>
-            <a:ext cx="7836678" cy="1690950"/>
+            <a:off x="434412" y="2869559"/>
+            <a:ext cx="9286875" cy="1819275"/>
           </a:xfrm>
           <a:prstGeom prst="rect">
             <a:avLst/>
           </a:prstGeom>
         </p:spPr>
       </p:pic>
-      <p:sp>
-        <p:nvSpPr>
-          <p:cNvPr id="5" name="Titre 1">
-            <a:extLst>
-              <a:ext uri="{FF2B5EF4-FFF2-40B4-BE49-F238E27FC236}">
-                <a16:creationId xmlns:a16="http://schemas.microsoft.com/office/drawing/2014/main" id="{B1107943-3443-485A-BC72-1F88E0BC21AF}"/>
-              </a:ext>
-            </a:extLst>
-          </p:cNvPr>
-          <p:cNvSpPr>
-            <a:spLocks noGrp="1"/>
-          </p:cNvSpPr>
-          <p:nvPr>
-            <p:ph type="title"/>
-          </p:nvPr>
-        </p:nvSpPr>
-        <p:spPr>
-          <a:xfrm>
-            <a:off x="1604864" y="412568"/>
-            <a:ext cx="7077741" cy="791362"/>
-          </a:xfrm>
-        </p:spPr>
-        <p:txBody>
-          <a:bodyPr>
-            <a:normAutofit fontScale="90000"/>
-          </a:bodyPr>
-          <a:lstStyle/>
-          <a:p>
-            <a:r>
-              <a:rPr lang="fr-FR" sz="4800" dirty="0">
-                <a:solidFill>
-                  <a:schemeClr val="tx1"/>
-                </a:solidFill>
-              </a:rPr>
-              <a:t>Récapitulatif des dépenses et recettes</a:t>
-            </a:r>
-          </a:p>
-        </p:txBody>
-      </p:sp>
     </p:spTree>
     <p:extLst>
       <p:ext uri="{BB962C8B-B14F-4D97-AF65-F5344CB8AC3E}">
@@ -8674,7 +8674,7 @@
         </p:nvSpPr>
         <p:spPr>
           <a:xfrm>
-            <a:off x="3624044" y="5394121"/>
+            <a:off x="3657600" y="6076100"/>
             <a:ext cx="4219662" cy="369332"/>
           </a:xfrm>
           <a:prstGeom prst="rect">
@@ -8721,8 +8721,38 @@
         </p:blipFill>
         <p:spPr>
           <a:xfrm>
-            <a:off x="751865" y="2868511"/>
+            <a:off x="1009300" y="3992635"/>
             <a:ext cx="8660583" cy="1668553"/>
+          </a:xfrm>
+          <a:prstGeom prst="rect">
+            <a:avLst/>
+          </a:prstGeom>
+        </p:spPr>
+      </p:pic>
+      <p:pic>
+        <p:nvPicPr>
+          <p:cNvPr id="6" name="Image 5">
+            <a:extLst>
+              <a:ext uri="{FF2B5EF4-FFF2-40B4-BE49-F238E27FC236}">
+                <a16:creationId xmlns:a16="http://schemas.microsoft.com/office/drawing/2014/main" id="{7F19231E-7AB8-4669-9BFA-18BD192A4076}"/>
+              </a:ext>
+            </a:extLst>
+          </p:cNvPr>
+          <p:cNvPicPr>
+            <a:picLocks noChangeAspect="1"/>
+          </p:cNvPicPr>
+          <p:nvPr/>
+        </p:nvPicPr>
+        <p:blipFill>
+          <a:blip r:embed="rId3"/>
+          <a:stretch>
+            <a:fillRect/>
+          </a:stretch>
+        </p:blipFill>
+        <p:spPr>
+          <a:xfrm>
+            <a:off x="192947" y="2264412"/>
+            <a:ext cx="11425806" cy="1313311"/>
           </a:xfrm>
           <a:prstGeom prst="rect">
             <a:avLst/>
